--- a/Session06-v1.pptx
+++ b/Session06-v1.pptx
@@ -247,7 +247,7 @@
           <a:p>
             <a:fld id="{231104BD-B345-B647-8750-DEFC8468D1D6}" type="datetimeFigureOut">
               <a:rPr lang="en-US" smtClean="0"/>
-              <a:t>4/3/20</a:t>
+              <a:t>4/6/20</a:t>
             </a:fld>
             <a:endParaRPr lang="en-US"/>
           </a:p>
@@ -417,7 +417,7 @@
           <a:p>
             <a:fld id="{231104BD-B345-B647-8750-DEFC8468D1D6}" type="datetimeFigureOut">
               <a:rPr lang="en-US" smtClean="0"/>
-              <a:t>4/3/20</a:t>
+              <a:t>4/6/20</a:t>
             </a:fld>
             <a:endParaRPr lang="en-US"/>
           </a:p>
@@ -597,7 +597,7 @@
           <a:p>
             <a:fld id="{231104BD-B345-B647-8750-DEFC8468D1D6}" type="datetimeFigureOut">
               <a:rPr lang="en-US" smtClean="0"/>
-              <a:t>4/3/20</a:t>
+              <a:t>4/6/20</a:t>
             </a:fld>
             <a:endParaRPr lang="en-US"/>
           </a:p>
@@ -4904,7 +4904,7 @@
           <a:p>
             <a:fld id="{231104BD-B345-B647-8750-DEFC8468D1D6}" type="datetimeFigureOut">
               <a:rPr lang="en-US" smtClean="0"/>
-              <a:t>4/3/20</a:t>
+              <a:t>4/6/20</a:t>
             </a:fld>
             <a:endParaRPr lang="en-US"/>
           </a:p>
@@ -9347,7 +9347,7 @@
           <a:p>
             <a:fld id="{231104BD-B345-B647-8750-DEFC8468D1D6}" type="datetimeFigureOut">
               <a:rPr lang="en-US" smtClean="0"/>
-              <a:t>4/3/20</a:t>
+              <a:t>4/6/20</a:t>
             </a:fld>
             <a:endParaRPr lang="en-US"/>
           </a:p>
@@ -9579,7 +9579,7 @@
           <a:p>
             <a:fld id="{231104BD-B345-B647-8750-DEFC8468D1D6}" type="datetimeFigureOut">
               <a:rPr lang="en-US" smtClean="0"/>
-              <a:t>4/3/20</a:t>
+              <a:t>4/6/20</a:t>
             </a:fld>
             <a:endParaRPr lang="en-US"/>
           </a:p>
@@ -9946,7 +9946,7 @@
           <a:p>
             <a:fld id="{231104BD-B345-B647-8750-DEFC8468D1D6}" type="datetimeFigureOut">
               <a:rPr lang="en-US" smtClean="0"/>
-              <a:t>4/3/20</a:t>
+              <a:t>4/6/20</a:t>
             </a:fld>
             <a:endParaRPr lang="en-US"/>
           </a:p>
@@ -10064,7 +10064,7 @@
           <a:p>
             <a:fld id="{231104BD-B345-B647-8750-DEFC8468D1D6}" type="datetimeFigureOut">
               <a:rPr lang="en-US" smtClean="0"/>
-              <a:t>4/3/20</a:t>
+              <a:t>4/6/20</a:t>
             </a:fld>
             <a:endParaRPr lang="en-US"/>
           </a:p>
@@ -10159,7 +10159,7 @@
           <a:p>
             <a:fld id="{231104BD-B345-B647-8750-DEFC8468D1D6}" type="datetimeFigureOut">
               <a:rPr lang="en-US" smtClean="0"/>
-              <a:t>4/3/20</a:t>
+              <a:t>4/6/20</a:t>
             </a:fld>
             <a:endParaRPr lang="en-US"/>
           </a:p>
@@ -10436,7 +10436,7 @@
           <a:p>
             <a:fld id="{231104BD-B345-B647-8750-DEFC8468D1D6}" type="datetimeFigureOut">
               <a:rPr lang="en-US" smtClean="0"/>
-              <a:t>4/3/20</a:t>
+              <a:t>4/6/20</a:t>
             </a:fld>
             <a:endParaRPr lang="en-US"/>
           </a:p>
@@ -10693,7 +10693,7 @@
           <a:p>
             <a:fld id="{231104BD-B345-B647-8750-DEFC8468D1D6}" type="datetimeFigureOut">
               <a:rPr lang="en-US" smtClean="0"/>
-              <a:t>4/3/20</a:t>
+              <a:t>4/6/20</a:t>
             </a:fld>
             <a:endParaRPr lang="en-US"/>
           </a:p>
@@ -10906,7 +10906,7 @@
           <a:p>
             <a:fld id="{231104BD-B345-B647-8750-DEFC8468D1D6}" type="datetimeFigureOut">
               <a:rPr lang="en-US" smtClean="0"/>
-              <a:t>4/3/20</a:t>
+              <a:t>4/6/20</a:t>
             </a:fld>
             <a:endParaRPr lang="en-US"/>
           </a:p>
@@ -11583,8 +11583,14 @@
           <a:lstStyle/>
           <a:p>
             <a:r>
-              <a:rPr lang="en-US" dirty="0"/>
-              <a:t>April Workshop Serial 6</a:t>
+              <a:rPr lang="en-US" b="1" dirty="0"/>
+              <a:t>Jian Zhang</a:t>
+            </a:r>
+          </a:p>
+          <a:p>
+            <a:r>
+              <a:rPr lang="en-US" b="1" dirty="0" err="1"/>
+              <a:t>jamezhang@amazon.com</a:t>
             </a:r>
             <a:endParaRPr lang="en-US" b="1" dirty="0"/>
           </a:p>
@@ -12115,7 +12121,7 @@
             <a:pPr lvl="1"/>
             <a:r>
               <a:rPr lang="en-US" dirty="0"/>
-              <a:t>60 labeled, 500 for validation, 1000 for testing</a:t>
+              <a:t>60 for training, 500 for validation, and 1000 for testing</a:t>
             </a:r>
           </a:p>
         </p:txBody>
@@ -12169,7 +12175,7 @@
         </p:blipFill>
         <p:spPr>
           <a:xfrm>
-            <a:off x="7246723" y="3077823"/>
+            <a:off x="7161779" y="2910183"/>
             <a:ext cx="4447141" cy="2669833"/>
           </a:xfrm>
           <a:prstGeom prst="rect">

--- a/Session06-v1.pptx
+++ b/Session06-v1.pptx
@@ -12268,7 +12268,7 @@
         </p:blipFill>
         <p:spPr>
           <a:xfrm>
-            <a:off x="8332816" y="531321"/>
+            <a:off x="8332816" y="883011"/>
             <a:ext cx="2829273" cy="1468501"/>
           </a:xfrm>
           <a:prstGeom prst="rect">
@@ -12298,7 +12298,7 @@
         </p:blipFill>
         <p:spPr>
           <a:xfrm>
-            <a:off x="7707086" y="2191108"/>
+            <a:off x="7707086" y="2542798"/>
             <a:ext cx="4080734" cy="748537"/>
           </a:xfrm>
           <a:prstGeom prst="rect">
